--- a/data/paper/混合資料層面與演算法層面技術之集成分類方法/混合資料層面與演算法層面技術之集成分類方法.pptx
+++ b/data/paper/混合資料層面與演算法層面技術之集成分類方法/混合資料層面與演算法層面技術之集成分類方法.pptx
@@ -8213,8 +8213,8 @@
         </p:nvSpPr>
         <p:spPr>
           <a:xfrm>
-            <a:off x="8732216" y="4806534"/>
-            <a:ext cx="412292" cy="338554"/>
+            <a:off x="8844426" y="4806534"/>
+            <a:ext cx="300082" cy="338554"/>
           </a:xfrm>
           <a:prstGeom prst="rect">
             <a:avLst/>
@@ -8238,7 +8238,7 @@
                 <a:ea typeface="台灣金萱體" panose="02020500000000000000" pitchFamily="18" charset="-120"/>
                 <a:cs typeface="台灣金萱體" panose="02020500000000000000" pitchFamily="18" charset="-120"/>
               </a:rPr>
-              <a:t>28</a:t>
+              <a:t>8</a:t>
             </a:r>
             <a:endParaRPr lang="en-US" sz="1600" dirty="0">
               <a:solidFill>
@@ -10816,7 +10816,7 @@
           <a:lstStyle/>
           <a:p>
             <a:r>
-              <a:rPr lang="en-US" altLang="zh-TW" sz="1600" dirty="0">
+              <a:rPr lang="en-US" sz="1600" dirty="0">
                 <a:solidFill>
                   <a:schemeClr val="tx1">
                     <a:lumMod val="65000"/>
@@ -10827,19 +10827,8 @@
                 <a:ea typeface="台灣金萱體" panose="02020500000000000000" pitchFamily="18" charset="-120"/>
                 <a:cs typeface="台灣金萱體" panose="02020500000000000000" pitchFamily="18" charset="-120"/>
               </a:rPr>
-              <a:t>30</a:t>
+              <a:t>10</a:t>
             </a:r>
-            <a:endParaRPr lang="en-US" sz="1600" dirty="0">
-              <a:solidFill>
-                <a:schemeClr val="tx1">
-                  <a:lumMod val="65000"/>
-                  <a:lumOff val="35000"/>
-                </a:schemeClr>
-              </a:solidFill>
-              <a:latin typeface="台灣金萱體" panose="02020500000000000000" pitchFamily="18" charset="-120"/>
-              <a:ea typeface="台灣金萱體" panose="02020500000000000000" pitchFamily="18" charset="-120"/>
-              <a:cs typeface="台灣金萱體" panose="02020500000000000000" pitchFamily="18" charset="-120"/>
-            </a:endParaRPr>
           </a:p>
         </p:txBody>
       </p:sp>
@@ -13337,8 +13326,8 @@
         </p:nvSpPr>
         <p:spPr>
           <a:xfrm>
-            <a:off x="8733818" y="4806534"/>
-            <a:ext cx="410690" cy="338554"/>
+            <a:off x="8751452" y="4806534"/>
+            <a:ext cx="393056" cy="338554"/>
           </a:xfrm>
           <a:prstGeom prst="rect">
             <a:avLst/>
@@ -13362,7 +13351,7 @@
                 <a:ea typeface="台灣金萱體" panose="02020500000000000000" pitchFamily="18" charset="-120"/>
                 <a:cs typeface="台灣金萱體" panose="02020500000000000000" pitchFamily="18" charset="-120"/>
               </a:rPr>
-              <a:t>29</a:t>
+              <a:t>11</a:t>
             </a:r>
             <a:endParaRPr lang="en-US" sz="1600" dirty="0">
               <a:solidFill>
@@ -18173,7 +18162,7 @@
         <p:spPr>
           <a:xfrm>
             <a:off x="8733818" y="4806534"/>
-            <a:ext cx="410690" cy="338554"/>
+            <a:ext cx="401072" cy="338554"/>
           </a:xfrm>
           <a:prstGeom prst="rect">
             <a:avLst/>
@@ -18186,7 +18175,7 @@
           <a:lstStyle/>
           <a:p>
             <a:r>
-              <a:rPr lang="en-US" altLang="zh-TW" sz="1600" dirty="0">
+              <a:rPr lang="en-US" sz="1600" dirty="0">
                 <a:solidFill>
                   <a:schemeClr val="tx1">
                     <a:lumMod val="65000"/>
@@ -18197,19 +18186,8 @@
                 <a:ea typeface="台灣金萱體" panose="02020500000000000000" pitchFamily="18" charset="-120"/>
                 <a:cs typeface="台灣金萱體" panose="02020500000000000000" pitchFamily="18" charset="-120"/>
               </a:rPr>
-              <a:t>29</a:t>
+              <a:t>12</a:t>
             </a:r>
-            <a:endParaRPr lang="en-US" sz="1600" dirty="0">
-              <a:solidFill>
-                <a:schemeClr val="tx1">
-                  <a:lumMod val="65000"/>
-                  <a:lumOff val="35000"/>
-                </a:schemeClr>
-              </a:solidFill>
-              <a:latin typeface="台灣金萱體" panose="02020500000000000000" pitchFamily="18" charset="-120"/>
-              <a:ea typeface="台灣金萱體" panose="02020500000000000000" pitchFamily="18" charset="-120"/>
-              <a:cs typeface="台灣金萱體" panose="02020500000000000000" pitchFamily="18" charset="-120"/>
-            </a:endParaRPr>
           </a:p>
         </p:txBody>
       </p:sp>
@@ -19107,7 +19085,7 @@
                 <a:ea typeface="台灣金萱體" panose="02020500000000000000" pitchFamily="18" charset="-120"/>
                 <a:cs typeface="台灣金萱體" panose="02020500000000000000" pitchFamily="18" charset="-120"/>
               </a:rPr>
-              <a:t>與其他方法相比，三種評估標準結果都是最高的，且根據訓練速度雖然比三種單一策略的方法還要慢，但是比</a:t>
+              <a:t>與其他方法相比，三種評估標準結果都算是最高的，且根據訓練速度雖然比三種單一策略的方法還要慢，但是比</a:t>
             </a:r>
             <a:r>
               <a:rPr lang="en-US" altLang="zh-TW" sz="1400" dirty="0">
@@ -19148,8 +19126,8 @@
         </p:nvSpPr>
         <p:spPr>
           <a:xfrm>
-            <a:off x="8735422" y="4806534"/>
-            <a:ext cx="402674" cy="338554"/>
+            <a:off x="8751452" y="4806534"/>
+            <a:ext cx="393056" cy="338554"/>
           </a:xfrm>
           <a:prstGeom prst="rect">
             <a:avLst/>
@@ -19162,7 +19140,7 @@
           <a:lstStyle/>
           <a:p>
             <a:r>
-              <a:rPr lang="en-US" altLang="zh-TW" sz="1600" dirty="0">
+              <a:rPr lang="en-US" sz="1600" dirty="0">
                 <a:solidFill>
                   <a:schemeClr val="tx1">
                     <a:lumMod val="65000"/>
@@ -19173,19 +19151,8 @@
                 <a:ea typeface="台灣金萱體" panose="02020500000000000000" pitchFamily="18" charset="-120"/>
                 <a:cs typeface="台灣金萱體" panose="02020500000000000000" pitchFamily="18" charset="-120"/>
               </a:rPr>
-              <a:t>39</a:t>
+              <a:t>13</a:t>
             </a:r>
-            <a:endParaRPr lang="en-US" sz="1600" dirty="0">
-              <a:solidFill>
-                <a:schemeClr val="tx1">
-                  <a:lumMod val="65000"/>
-                  <a:lumOff val="35000"/>
-                </a:schemeClr>
-              </a:solidFill>
-              <a:latin typeface="台灣金萱體" panose="02020500000000000000" pitchFamily="18" charset="-120"/>
-              <a:ea typeface="台灣金萱體" panose="02020500000000000000" pitchFamily="18" charset="-120"/>
-              <a:cs typeface="台灣金萱體" panose="02020500000000000000" pitchFamily="18" charset="-120"/>
-            </a:endParaRPr>
           </a:p>
         </p:txBody>
       </p:sp>
@@ -21093,7 +21060,7 @@
         <p:spPr>
           <a:xfrm>
             <a:off x="8735422" y="4806534"/>
-            <a:ext cx="410690" cy="338554"/>
+            <a:ext cx="402674" cy="338554"/>
           </a:xfrm>
           <a:prstGeom prst="rect">
             <a:avLst/>
@@ -21117,7 +21084,7 @@
                 <a:ea typeface="台灣金萱體" panose="02020500000000000000" pitchFamily="18" charset="-120"/>
                 <a:cs typeface="台灣金萱體" panose="02020500000000000000" pitchFamily="18" charset="-120"/>
               </a:rPr>
-              <a:t>40</a:t>
+              <a:t>14</a:t>
             </a:r>
             <a:endParaRPr lang="en-US" sz="1600" dirty="0">
               <a:solidFill>
@@ -25456,7 +25423,82 @@
                 <a:ea typeface="台灣金萱體" panose="02020500000000000000" pitchFamily="18" charset="-120"/>
                 <a:cs typeface="台灣金萱體" panose="02020500000000000000" pitchFamily="18" charset="-120"/>
               </a:rPr>
-              <a:t>以往處理不平衡資料，容易出現少數類別正確率過低的情況，因此本研究提出一個新的集成方法，結合資料層面與演算法層面中三種策略：過取樣、欠取樣與成本敏感方法，依比例來集成三種策略的集成模型。</a:t>
+              <a:t>以往處理不平衡資料，容易出現少數類別正確率過低的情況，因此本研究提出一個新的集成方法，結合</a:t>
+            </a:r>
+            <a:r>
+              <a:rPr lang="zh-TW" altLang="en-US" sz="1600" kern="100" dirty="0">
+                <a:solidFill>
+                  <a:srgbClr val="E03E3E"/>
+                </a:solidFill>
+                <a:latin typeface="Sitka Heading Semibold" pitchFamily="2" charset="0"/>
+                <a:ea typeface="台灣金萱體" panose="02020500000000000000" pitchFamily="18" charset="-120"/>
+                <a:cs typeface="台灣金萱體" panose="02020500000000000000" pitchFamily="18" charset="-120"/>
+              </a:rPr>
+              <a:t>資料層面</a:t>
+            </a:r>
+            <a:r>
+              <a:rPr lang="zh-TW" altLang="en-US" sz="1600" kern="100" dirty="0">
+                <a:solidFill>
+                  <a:schemeClr val="tx1">
+                    <a:lumMod val="75000"/>
+                    <a:lumOff val="25000"/>
+                  </a:schemeClr>
+                </a:solidFill>
+                <a:latin typeface="Sitka Heading Semibold" pitchFamily="2" charset="0"/>
+                <a:ea typeface="台灣金萱體" panose="02020500000000000000" pitchFamily="18" charset="-120"/>
+                <a:cs typeface="台灣金萱體" panose="02020500000000000000" pitchFamily="18" charset="-120"/>
+              </a:rPr>
+              <a:t>與</a:t>
+            </a:r>
+            <a:r>
+              <a:rPr lang="zh-TW" altLang="en-US" sz="1600" kern="100" dirty="0">
+                <a:solidFill>
+                  <a:srgbClr val="E03E3E"/>
+                </a:solidFill>
+                <a:latin typeface="Sitka Heading Semibold" pitchFamily="2" charset="0"/>
+                <a:ea typeface="台灣金萱體" panose="02020500000000000000" pitchFamily="18" charset="-120"/>
+                <a:cs typeface="台灣金萱體" panose="02020500000000000000" pitchFamily="18" charset="-120"/>
+              </a:rPr>
+              <a:t>演算法層面</a:t>
+            </a:r>
+            <a:r>
+              <a:rPr lang="zh-TW" altLang="en-US" sz="1600" kern="100" dirty="0">
+                <a:solidFill>
+                  <a:schemeClr val="tx1">
+                    <a:lumMod val="75000"/>
+                    <a:lumOff val="25000"/>
+                  </a:schemeClr>
+                </a:solidFill>
+                <a:latin typeface="Sitka Heading Semibold" pitchFamily="2" charset="0"/>
+                <a:ea typeface="台灣金萱體" panose="02020500000000000000" pitchFamily="18" charset="-120"/>
+                <a:cs typeface="台灣金萱體" panose="02020500000000000000" pitchFamily="18" charset="-120"/>
+              </a:rPr>
+              <a:t>中三種策略：過取樣、欠取樣與成本敏感方法，依比例來集成三種策略的</a:t>
+            </a:r>
+            <a:r>
+              <a:rPr lang="zh-TW" altLang="en-US" sz="1600" kern="100" dirty="0">
+                <a:solidFill>
+                  <a:srgbClr val="E03E3E"/>
+                </a:solidFill>
+                <a:latin typeface="Sitka Heading Semibold" pitchFamily="2" charset="0"/>
+                <a:ea typeface="台灣金萱體" panose="02020500000000000000" pitchFamily="18" charset="-120"/>
+                <a:cs typeface="台灣金萱體" panose="02020500000000000000" pitchFamily="18" charset="-120"/>
+              </a:rPr>
+              <a:t>集成模型</a:t>
+            </a:r>
+            <a:r>
+              <a:rPr lang="zh-TW" altLang="en-US" sz="1600" kern="100" dirty="0">
+                <a:solidFill>
+                  <a:schemeClr val="tx1">
+                    <a:lumMod val="75000"/>
+                    <a:lumOff val="25000"/>
+                  </a:schemeClr>
+                </a:solidFill>
+                <a:latin typeface="Sitka Heading Semibold" pitchFamily="2" charset="0"/>
+                <a:ea typeface="台灣金萱體" panose="02020500000000000000" pitchFamily="18" charset="-120"/>
+                <a:cs typeface="台灣金萱體" panose="02020500000000000000" pitchFamily="18" charset="-120"/>
+              </a:rPr>
+              <a:t>。</a:t>
             </a:r>
           </a:p>
         </p:txBody>
@@ -30085,8 +30127,8 @@
         </p:nvSpPr>
         <p:spPr>
           <a:xfrm>
-            <a:off x="8838779" y="4806534"/>
-            <a:ext cx="296876" cy="338554"/>
+            <a:off x="8855646" y="4806534"/>
+            <a:ext cx="288862" cy="338554"/>
           </a:xfrm>
           <a:prstGeom prst="rect">
             <a:avLst/>
@@ -30099,7 +30141,7 @@
           <a:lstStyle/>
           <a:p>
             <a:r>
-              <a:rPr lang="en-US" altLang="zh-TW" sz="1600" dirty="0">
+              <a:rPr lang="en-US" sz="1600" dirty="0">
                 <a:solidFill>
                   <a:schemeClr val="tx1">
                     <a:lumMod val="65000"/>
@@ -30110,19 +30152,8 @@
                 <a:ea typeface="台灣金萱體" panose="02020500000000000000" pitchFamily="18" charset="-120"/>
                 <a:cs typeface="台灣金萱體" panose="02020500000000000000" pitchFamily="18" charset="-120"/>
               </a:rPr>
-              <a:t>2</a:t>
+              <a:t>3</a:t>
             </a:r>
-            <a:endParaRPr lang="en-US" sz="1600" dirty="0">
-              <a:solidFill>
-                <a:schemeClr val="tx1">
-                  <a:lumMod val="65000"/>
-                  <a:lumOff val="35000"/>
-                </a:schemeClr>
-              </a:solidFill>
-              <a:latin typeface="台灣金萱體" panose="02020500000000000000" pitchFamily="18" charset="-120"/>
-              <a:ea typeface="台灣金萱體" panose="02020500000000000000" pitchFamily="18" charset="-120"/>
-              <a:cs typeface="台灣金萱體" panose="02020500000000000000" pitchFamily="18" charset="-120"/>
-            </a:endParaRPr>
           </a:p>
         </p:txBody>
       </p:sp>
@@ -34447,7 +34478,7 @@
         <p:spPr>
           <a:xfrm>
             <a:off x="8855646" y="4806534"/>
-            <a:ext cx="288862" cy="338554"/>
+            <a:ext cx="298480" cy="338554"/>
           </a:xfrm>
           <a:prstGeom prst="rect">
             <a:avLst/>
@@ -34471,7 +34502,7 @@
                 <a:ea typeface="台灣金萱體" panose="02020500000000000000" pitchFamily="18" charset="-120"/>
                 <a:cs typeface="台灣金萱體" panose="02020500000000000000" pitchFamily="18" charset="-120"/>
               </a:rPr>
-              <a:t>3</a:t>
+              <a:t>4</a:t>
             </a:r>
           </a:p>
         </p:txBody>
@@ -36746,7 +36777,7 @@
         <p:spPr>
           <a:xfrm>
             <a:off x="8855646" y="4806534"/>
-            <a:ext cx="288862" cy="338554"/>
+            <a:ext cx="287258" cy="338554"/>
           </a:xfrm>
           <a:prstGeom prst="rect">
             <a:avLst/>
@@ -36759,7 +36790,7 @@
           <a:lstStyle/>
           <a:p>
             <a:r>
-              <a:rPr lang="en-US" altLang="zh-TW" sz="1600" dirty="0">
+              <a:rPr lang="en-US" sz="1600" dirty="0">
                 <a:solidFill>
                   <a:schemeClr val="tx1">
                     <a:lumMod val="65000"/>
@@ -36770,19 +36801,8 @@
                 <a:ea typeface="台灣金萱體" panose="02020500000000000000" pitchFamily="18" charset="-120"/>
                 <a:cs typeface="台灣金萱體" panose="02020500000000000000" pitchFamily="18" charset="-120"/>
               </a:rPr>
-              <a:t>3</a:t>
+              <a:t>5</a:t>
             </a:r>
-            <a:endParaRPr lang="en-US" sz="1600" dirty="0">
-              <a:solidFill>
-                <a:schemeClr val="tx1">
-                  <a:lumMod val="65000"/>
-                  <a:lumOff val="35000"/>
-                </a:schemeClr>
-              </a:solidFill>
-              <a:latin typeface="台灣金萱體" panose="02020500000000000000" pitchFamily="18" charset="-120"/>
-              <a:ea typeface="台灣金萱體" panose="02020500000000000000" pitchFamily="18" charset="-120"/>
-              <a:cs typeface="台灣金萱體" panose="02020500000000000000" pitchFamily="18" charset="-120"/>
-            </a:endParaRPr>
           </a:p>
         </p:txBody>
       </p:sp>
@@ -39834,7 +39854,7 @@
         <p:spPr>
           <a:xfrm>
             <a:off x="8838779" y="4806534"/>
-            <a:ext cx="298480" cy="338554"/>
+            <a:ext cx="301686" cy="338554"/>
           </a:xfrm>
           <a:prstGeom prst="rect">
             <a:avLst/>
@@ -39847,7 +39867,7 @@
           <a:lstStyle/>
           <a:p>
             <a:r>
-              <a:rPr lang="en-US" altLang="zh-TW" sz="1600" dirty="0">
+              <a:rPr lang="en-US" sz="1600" dirty="0">
                 <a:solidFill>
                   <a:schemeClr val="tx1">
                     <a:lumMod val="65000"/>
@@ -39858,19 +39878,8 @@
                 <a:ea typeface="台灣金萱體" panose="02020500000000000000" pitchFamily="18" charset="-120"/>
                 <a:cs typeface="台灣金萱體" panose="02020500000000000000" pitchFamily="18" charset="-120"/>
               </a:rPr>
-              <a:t>4</a:t>
+              <a:t>6</a:t>
             </a:r>
-            <a:endParaRPr lang="en-US" sz="1600" dirty="0">
-              <a:solidFill>
-                <a:schemeClr val="tx1">
-                  <a:lumMod val="65000"/>
-                  <a:lumOff val="35000"/>
-                </a:schemeClr>
-              </a:solidFill>
-              <a:latin typeface="台灣金萱體" panose="02020500000000000000" pitchFamily="18" charset="-120"/>
-              <a:ea typeface="台灣金萱體" panose="02020500000000000000" pitchFamily="18" charset="-120"/>
-              <a:cs typeface="台灣金萱體" panose="02020500000000000000" pitchFamily="18" charset="-120"/>
-            </a:endParaRPr>
           </a:p>
         </p:txBody>
       </p:sp>
@@ -42999,7 +43008,7 @@
         <p:spPr>
           <a:xfrm>
             <a:off x="8857250" y="4806534"/>
-            <a:ext cx="287258" cy="338554"/>
+            <a:ext cx="284052" cy="338554"/>
           </a:xfrm>
           <a:prstGeom prst="rect">
             <a:avLst/>
@@ -43012,7 +43021,7 @@
           <a:lstStyle/>
           <a:p>
             <a:r>
-              <a:rPr lang="en-US" altLang="zh-TW" sz="1600" dirty="0">
+              <a:rPr lang="en-US" sz="1600" dirty="0">
                 <a:solidFill>
                   <a:schemeClr val="tx1">
                     <a:lumMod val="65000"/>
@@ -43023,19 +43032,8 @@
                 <a:ea typeface="台灣金萱體" panose="02020500000000000000" pitchFamily="18" charset="-120"/>
                 <a:cs typeface="台灣金萱體" panose="02020500000000000000" pitchFamily="18" charset="-120"/>
               </a:rPr>
-              <a:t>5</a:t>
+              <a:t>7</a:t>
             </a:r>
-            <a:endParaRPr lang="en-US" sz="1600" dirty="0">
-              <a:solidFill>
-                <a:schemeClr val="tx1">
-                  <a:lumMod val="65000"/>
-                  <a:lumOff val="35000"/>
-                </a:schemeClr>
-              </a:solidFill>
-              <a:latin typeface="台灣金萱體" panose="02020500000000000000" pitchFamily="18" charset="-120"/>
-              <a:ea typeface="台灣金萱體" panose="02020500000000000000" pitchFamily="18" charset="-120"/>
-              <a:cs typeface="台灣金萱體" panose="02020500000000000000" pitchFamily="18" charset="-120"/>
-            </a:endParaRPr>
           </a:p>
         </p:txBody>
       </p:sp>
